--- a/Agile Estimation Handout AgileCamp Ny 2019.pptx
+++ b/Agile Estimation Handout AgileCamp Ny 2019.pptx
@@ -5,16 +5,15 @@
     <p:sldMasterId id="2147483995" r:id="rId1"/>
   </p:sldMasterIdLst>
   <p:notesMasterIdLst>
-    <p:notesMasterId r:id="rId9"/>
+    <p:notesMasterId r:id="rId8"/>
   </p:notesMasterIdLst>
   <p:sldIdLst>
     <p:sldId id="306" r:id="rId2"/>
-    <p:sldId id="258" r:id="rId3"/>
-    <p:sldId id="296" r:id="rId4"/>
-    <p:sldId id="298" r:id="rId5"/>
-    <p:sldId id="264" r:id="rId6"/>
-    <p:sldId id="267" r:id="rId7"/>
-    <p:sldId id="303" r:id="rId8"/>
+    <p:sldId id="296" r:id="rId3"/>
+    <p:sldId id="298" r:id="rId4"/>
+    <p:sldId id="264" r:id="rId5"/>
+    <p:sldId id="267" r:id="rId6"/>
+    <p:sldId id="303" r:id="rId7"/>
   </p:sldIdLst>
   <p:sldSz cx="12192000" cy="6858000"/>
   <p:notesSz cx="6858000" cy="9144000"/>
@@ -203,7 +202,7 @@
           <a:p>
             <a:fld id="{703FCFD6-0401-43C5-B18D-781307A7DAE7}" type="datetimeFigureOut">
               <a:rPr lang="en-US" smtClean="0"/>
-              <a:t>9/27/19</a:t>
+              <a:t>10/3/19</a:t>
             </a:fld>
             <a:endParaRPr lang="en-US"/>
           </a:p>
@@ -582,8 +581,197 @@
           <a:p>
             <a:r>
               <a:rPr lang="en-US" dirty="0"/>
-              <a:t>https://pixabay.com/en/write-plan-business-startup-593333/</a:t>
-            </a:r>
+              <a:t>Make an slide to open the discussion around why not hours. What is the problem with hours and why we should be doing relative estimation.</a:t>
+            </a:r>
+          </a:p>
+          <a:p>
+            <a:endParaRPr lang="en-US" dirty="0"/>
+          </a:p>
+          <a:p>
+            <a:pPr marL="0" marR="0" lvl="0" indent="0" algn="l" defTabSz="914400" rtl="0" eaLnBrk="1" fontAlgn="auto" latinLnBrk="0" hangingPunct="1">
+              <a:lnSpc>
+                <a:spcPct val="100000"/>
+              </a:lnSpc>
+              <a:spcBef>
+                <a:spcPts val="0"/>
+              </a:spcBef>
+              <a:spcAft>
+                <a:spcPts val="0"/>
+              </a:spcAft>
+              <a:buClrTx/>
+              <a:buSzTx/>
+              <a:buFontTx/>
+              <a:buNone/>
+              <a:tabLst/>
+              <a:defRPr/>
+            </a:pPr>
+            <a:r>
+              <a:rPr lang="en-US" sz="1200" dirty="0">
+                <a:solidFill>
+                  <a:schemeClr val="accent4"/>
+                </a:solidFill>
+                <a:latin typeface="Arial" panose="020B0604020202020204" pitchFamily="34" charset="0"/>
+                <a:cs typeface="Arial" panose="020B0604020202020204" pitchFamily="34" charset="0"/>
+              </a:rPr>
+              <a:t>1) Not accurate anyway : Dates don’t account for non-project related work that inevitably creeps into our days : emails, meetings, and interviews that a team member may be involved in</a:t>
+            </a:r>
+            <a:endParaRPr lang="en-US" sz="1200" dirty="0"/>
+          </a:p>
+          <a:p>
+            <a:pPr marL="0" marR="0" lvl="0" indent="0" algn="l" defTabSz="914400" rtl="0" eaLnBrk="1" fontAlgn="auto" latinLnBrk="0" hangingPunct="1">
+              <a:lnSpc>
+                <a:spcPct val="100000"/>
+              </a:lnSpc>
+              <a:spcBef>
+                <a:spcPts val="0"/>
+              </a:spcBef>
+              <a:spcAft>
+                <a:spcPts val="0"/>
+              </a:spcAft>
+              <a:buClrTx/>
+              <a:buSzTx/>
+              <a:buFontTx/>
+              <a:buNone/>
+              <a:tabLst/>
+              <a:defRPr/>
+            </a:pPr>
+            <a:r>
+              <a:rPr lang="en-US" dirty="0"/>
+              <a:t>2)</a:t>
+            </a:r>
+            <a:r>
+              <a:rPr lang="en-US" sz="1200" dirty="0">
+                <a:solidFill>
+                  <a:schemeClr val="accent4"/>
+                </a:solidFill>
+                <a:latin typeface="Arial" panose="020B0604020202020204" pitchFamily="34" charset="0"/>
+                <a:cs typeface="Arial" panose="020B0604020202020204" pitchFamily="34" charset="0"/>
+              </a:rPr>
+              <a:t> Emotional : Dates have an emotional attachment to them. Relative estimation removes it.</a:t>
+            </a:r>
+            <a:endParaRPr lang="en-US" sz="1200" dirty="0"/>
+          </a:p>
+          <a:p>
+            <a:pPr marL="0" marR="0" lvl="0" indent="0" algn="l" defTabSz="914400" rtl="0" eaLnBrk="1" fontAlgn="auto" latinLnBrk="0" hangingPunct="1">
+              <a:lnSpc>
+                <a:spcPct val="100000"/>
+              </a:lnSpc>
+              <a:spcBef>
+                <a:spcPts val="0"/>
+              </a:spcBef>
+              <a:spcAft>
+                <a:spcPts val="0"/>
+              </a:spcAft>
+              <a:buClrTx/>
+              <a:buSzTx/>
+              <a:buFontTx/>
+              <a:buNone/>
+              <a:tabLst/>
+              <a:defRPr/>
+            </a:pPr>
+            <a:r>
+              <a:rPr lang="en-US" dirty="0"/>
+              <a:t>3) Political : </a:t>
+            </a:r>
+            <a:r>
+              <a:rPr lang="en-US" sz="1200" dirty="0">
+                <a:solidFill>
+                  <a:schemeClr val="accent4"/>
+                </a:solidFill>
+                <a:latin typeface="Arial" panose="020B0604020202020204" pitchFamily="34" charset="0"/>
+                <a:cs typeface="Arial" panose="020B0604020202020204" pitchFamily="34" charset="0"/>
+              </a:rPr>
+              <a:t>Each team will estimate work on slightly different scale, which means their velocity will naturally be different. This, in turn, makes it impossible to play politics using velocity as a weapon</a:t>
+            </a:r>
+            <a:endParaRPr lang="en-US" dirty="0"/>
+          </a:p>
+          <a:p>
+            <a:pPr marL="0" marR="0" lvl="0" indent="0" algn="l" defTabSz="914400" rtl="0" eaLnBrk="1" fontAlgn="auto" latinLnBrk="0" hangingPunct="1">
+              <a:lnSpc>
+                <a:spcPct val="100000"/>
+              </a:lnSpc>
+              <a:spcBef>
+                <a:spcPts val="0"/>
+              </a:spcBef>
+              <a:spcAft>
+                <a:spcPts val="0"/>
+              </a:spcAft>
+              <a:buClrTx/>
+              <a:buSzTx/>
+              <a:buFontTx/>
+              <a:buNone/>
+              <a:tabLst/>
+              <a:defRPr/>
+            </a:pPr>
+            <a:r>
+              <a:rPr lang="en-US" dirty="0"/>
+              <a:t>4) More complex : </a:t>
+            </a:r>
+            <a:r>
+              <a:rPr lang="en-US" sz="1200" dirty="0">
+                <a:solidFill>
+                  <a:schemeClr val="accent4"/>
+                </a:solidFill>
+                <a:latin typeface="Arial" panose="020B0604020202020204" pitchFamily="34" charset="0"/>
+                <a:cs typeface="Arial" panose="020B0604020202020204" pitchFamily="34" charset="0"/>
+              </a:rPr>
+              <a:t>Once you agree on the relative effort of each story point value, you can assign points quickly without much debate.</a:t>
+            </a:r>
+            <a:endParaRPr lang="en-US" sz="1200" dirty="0"/>
+          </a:p>
+          <a:p>
+            <a:pPr marL="0" marR="0" lvl="0" indent="0" algn="l" defTabSz="914400" rtl="0" eaLnBrk="1" fontAlgn="auto" latinLnBrk="0" hangingPunct="1">
+              <a:lnSpc>
+                <a:spcPct val="100000"/>
+              </a:lnSpc>
+              <a:spcBef>
+                <a:spcPts val="0"/>
+              </a:spcBef>
+              <a:spcAft>
+                <a:spcPts val="0"/>
+              </a:spcAft>
+              <a:buClrTx/>
+              <a:buSzTx/>
+              <a:buFontTx/>
+              <a:buNone/>
+              <a:tabLst/>
+              <a:defRPr/>
+            </a:pPr>
+            <a:r>
+              <a:rPr lang="en-US" dirty="0"/>
+              <a:t>5) Reward the wrong thing ( Trophy ): </a:t>
+            </a:r>
+            <a:r>
+              <a:rPr lang="en-US" sz="1200" dirty="0">
+                <a:solidFill>
+                  <a:schemeClr val="accent4"/>
+                </a:solidFill>
+                <a:latin typeface="Arial" panose="020B0604020202020204" pitchFamily="34" charset="0"/>
+                <a:cs typeface="Arial" panose="020B0604020202020204" pitchFamily="34" charset="0"/>
+              </a:rPr>
+              <a:t>Story points reward team members for solving problems based on difficulty, not time spent. This keeps team members focused on shipping value, not spending time</a:t>
+            </a:r>
+            <a:endParaRPr lang="en-US" sz="1200" dirty="0"/>
+          </a:p>
+          <a:p>
+            <a:pPr marL="0" marR="0" lvl="0" indent="0" algn="l" defTabSz="914400" rtl="0" eaLnBrk="1" fontAlgn="auto" latinLnBrk="0" hangingPunct="1">
+              <a:lnSpc>
+                <a:spcPct val="100000"/>
+              </a:lnSpc>
+              <a:spcBef>
+                <a:spcPts val="0"/>
+              </a:spcBef>
+              <a:spcAft>
+                <a:spcPts val="0"/>
+              </a:spcAft>
+              <a:buClrTx/>
+              <a:buSzTx/>
+              <a:buFontTx/>
+              <a:buNone/>
+              <a:tabLst/>
+              <a:defRPr/>
+            </a:pPr>
+            <a:endParaRPr lang="en-US" dirty="0"/>
           </a:p>
         </p:txBody>
       </p:sp>
@@ -594,7 +782,7 @@
             <a:spLocks noGrp="1"/>
           </p:cNvSpPr>
           <p:nvPr>
-            <p:ph type="sldNum" sz="quarter" idx="10"/>
+            <p:ph type="sldNum" sz="quarter" idx="5"/>
           </p:nvPr>
         </p:nvSpPr>
         <p:spPr/>
@@ -604,7 +792,7 @@
           <a:p>
             <a:fld id="{AAFEE2B6-961E-4B89-9AD2-30FAB594CE91}" type="slidenum">
               <a:rPr lang="en-US" smtClean="0"/>
-              <a:t>2</a:t>
+              <a:t>4</a:t>
             </a:fld>
             <a:endParaRPr lang="en-US"/>
           </a:p>
@@ -613,7 +801,7 @@
     </p:spTree>
     <p:extLst>
       <p:ext uri="{BB962C8B-B14F-4D97-AF65-F5344CB8AC3E}">
-        <p14:creationId xmlns:p14="http://schemas.microsoft.com/office/powerpoint/2010/main" val="2790753199"/>
+        <p14:creationId xmlns:p14="http://schemas.microsoft.com/office/powerpoint/2010/main" val="1109777637"/>
       </p:ext>
     </p:extLst>
   </p:cSld>
@@ -669,197 +857,26 @@
           <a:p>
             <a:r>
               <a:rPr lang="en-US" dirty="0"/>
-              <a:t>Make an slide to open the discussion around why not hours. What is the problem with hours and why we should be doing relative estimation.</a:t>
+              <a:t>On first point, if you have already some medium size stories, then use them. If not, select the one you think its medium size and use as reference to compare.</a:t>
             </a:r>
           </a:p>
           <a:p>
             <a:endParaRPr lang="en-US" dirty="0"/>
           </a:p>
           <a:p>
-            <a:pPr marL="0" marR="0" lvl="0" indent="0" algn="l" defTabSz="914400" rtl="0" eaLnBrk="1" fontAlgn="auto" latinLnBrk="0" hangingPunct="1">
-              <a:lnSpc>
-                <a:spcPct val="100000"/>
-              </a:lnSpc>
-              <a:spcBef>
-                <a:spcPts val="0"/>
-              </a:spcBef>
-              <a:spcAft>
-                <a:spcPts val="0"/>
-              </a:spcAft>
-              <a:buClrTx/>
-              <a:buSzTx/>
-              <a:buFontTx/>
-              <a:buNone/>
-              <a:tabLst/>
-              <a:defRPr/>
-            </a:pPr>
-            <a:r>
-              <a:rPr lang="en-US" sz="1200" dirty="0">
-                <a:solidFill>
-                  <a:schemeClr val="accent4"/>
-                </a:solidFill>
-                <a:latin typeface="Arial" panose="020B0604020202020204" pitchFamily="34" charset="0"/>
-                <a:cs typeface="Arial" panose="020B0604020202020204" pitchFamily="34" charset="0"/>
-              </a:rPr>
-              <a:t>1) Not accurate anyway : Dates don’t account for non-project related work that inevitably creeps into our days : emails, meetings, and interviews that a team member may be involved in</a:t>
-            </a:r>
-            <a:endParaRPr lang="en-US" sz="1200" dirty="0"/>
-          </a:p>
-          <a:p>
-            <a:pPr marL="0" marR="0" lvl="0" indent="0" algn="l" defTabSz="914400" rtl="0" eaLnBrk="1" fontAlgn="auto" latinLnBrk="0" hangingPunct="1">
-              <a:lnSpc>
-                <a:spcPct val="100000"/>
-              </a:lnSpc>
-              <a:spcBef>
-                <a:spcPts val="0"/>
-              </a:spcBef>
-              <a:spcAft>
-                <a:spcPts val="0"/>
-              </a:spcAft>
-              <a:buClrTx/>
-              <a:buSzTx/>
-              <a:buFontTx/>
-              <a:buNone/>
-              <a:tabLst/>
-              <a:defRPr/>
-            </a:pPr>
             <a:r>
               <a:rPr lang="en-US" dirty="0"/>
-              <a:t>2)</a:t>
-            </a:r>
-            <a:r>
-              <a:rPr lang="en-US" sz="1200" dirty="0">
-                <a:solidFill>
-                  <a:schemeClr val="accent4"/>
-                </a:solidFill>
-                <a:latin typeface="Arial" panose="020B0604020202020204" pitchFamily="34" charset="0"/>
-                <a:cs typeface="Arial" panose="020B0604020202020204" pitchFamily="34" charset="0"/>
-              </a:rPr>
-              <a:t> Emotional : Dates have an emotional attachment to them. Relative estimation removes it.</a:t>
-            </a:r>
-            <a:endParaRPr lang="en-US" sz="1200" dirty="0"/>
-          </a:p>
-          <a:p>
-            <a:pPr marL="0" marR="0" lvl="0" indent="0" algn="l" defTabSz="914400" rtl="0" eaLnBrk="1" fontAlgn="auto" latinLnBrk="0" hangingPunct="1">
-              <a:lnSpc>
-                <a:spcPct val="100000"/>
-              </a:lnSpc>
-              <a:spcBef>
-                <a:spcPts val="0"/>
-              </a:spcBef>
-              <a:spcAft>
-                <a:spcPts val="0"/>
-              </a:spcAft>
-              <a:buClrTx/>
-              <a:buSzTx/>
-              <a:buFontTx/>
-              <a:buNone/>
-              <a:tabLst/>
-              <a:defRPr/>
-            </a:pPr>
+              <a:t>I always prefer to use just 3 scaled , that can be 2, 4 and 8. That is because I think that thinking inn term of numbers like ( double, half, triple is easier than compare t shirt sizes. ) </a:t>
+            </a:r>
+          </a:p>
+          <a:p>
+            <a:endParaRPr lang="en-US" dirty="0"/>
+          </a:p>
+          <a:p>
             <a:r>
               <a:rPr lang="en-US" dirty="0"/>
-              <a:t>3) Political : </a:t>
-            </a:r>
-            <a:r>
-              <a:rPr lang="en-US" sz="1200" dirty="0">
-                <a:solidFill>
-                  <a:schemeClr val="accent4"/>
-                </a:solidFill>
-                <a:latin typeface="Arial" panose="020B0604020202020204" pitchFamily="34" charset="0"/>
-                <a:cs typeface="Arial" panose="020B0604020202020204" pitchFamily="34" charset="0"/>
-              </a:rPr>
-              <a:t>Each team will estimate work on slightly different scale, which means their velocity will naturally be different. This, in turn, makes it impossible to play politics using velocity as a weapon</a:t>
-            </a:r>
-            <a:endParaRPr lang="en-US" dirty="0"/>
-          </a:p>
-          <a:p>
-            <a:pPr marL="0" marR="0" lvl="0" indent="0" algn="l" defTabSz="914400" rtl="0" eaLnBrk="1" fontAlgn="auto" latinLnBrk="0" hangingPunct="1">
-              <a:lnSpc>
-                <a:spcPct val="100000"/>
-              </a:lnSpc>
-              <a:spcBef>
-                <a:spcPts val="0"/>
-              </a:spcBef>
-              <a:spcAft>
-                <a:spcPts val="0"/>
-              </a:spcAft>
-              <a:buClrTx/>
-              <a:buSzTx/>
-              <a:buFontTx/>
-              <a:buNone/>
-              <a:tabLst/>
-              <a:defRPr/>
-            </a:pPr>
-            <a:r>
-              <a:rPr lang="en-US" dirty="0"/>
-              <a:t>4) More complex : </a:t>
-            </a:r>
-            <a:r>
-              <a:rPr lang="en-US" sz="1200" dirty="0">
-                <a:solidFill>
-                  <a:schemeClr val="accent4"/>
-                </a:solidFill>
-                <a:latin typeface="Arial" panose="020B0604020202020204" pitchFamily="34" charset="0"/>
-                <a:cs typeface="Arial" panose="020B0604020202020204" pitchFamily="34" charset="0"/>
-              </a:rPr>
-              <a:t>Once you agree on the relative effort of each story point value, you can assign points quickly without much debate.</a:t>
-            </a:r>
-            <a:endParaRPr lang="en-US" sz="1200" dirty="0"/>
-          </a:p>
-          <a:p>
-            <a:pPr marL="0" marR="0" lvl="0" indent="0" algn="l" defTabSz="914400" rtl="0" eaLnBrk="1" fontAlgn="auto" latinLnBrk="0" hangingPunct="1">
-              <a:lnSpc>
-                <a:spcPct val="100000"/>
-              </a:lnSpc>
-              <a:spcBef>
-                <a:spcPts val="0"/>
-              </a:spcBef>
-              <a:spcAft>
-                <a:spcPts val="0"/>
-              </a:spcAft>
-              <a:buClrTx/>
-              <a:buSzTx/>
-              <a:buFontTx/>
-              <a:buNone/>
-              <a:tabLst/>
-              <a:defRPr/>
-            </a:pPr>
-            <a:r>
-              <a:rPr lang="en-US" dirty="0"/>
-              <a:t>5) Reward the wrong thing ( Trophy ): </a:t>
-            </a:r>
-            <a:r>
-              <a:rPr lang="en-US" sz="1200" dirty="0">
-                <a:solidFill>
-                  <a:schemeClr val="accent4"/>
-                </a:solidFill>
-                <a:latin typeface="Arial" panose="020B0604020202020204" pitchFamily="34" charset="0"/>
-                <a:cs typeface="Arial" panose="020B0604020202020204" pitchFamily="34" charset="0"/>
-              </a:rPr>
-              <a:t>Story points reward team members for solving problems based on difficulty, not time spent. This keeps team members focused on shipping value, not spending time</a:t>
-            </a:r>
-            <a:endParaRPr lang="en-US" sz="1200" dirty="0"/>
-          </a:p>
-          <a:p>
-            <a:pPr marL="0" marR="0" lvl="0" indent="0" algn="l" defTabSz="914400" rtl="0" eaLnBrk="1" fontAlgn="auto" latinLnBrk="0" hangingPunct="1">
-              <a:lnSpc>
-                <a:spcPct val="100000"/>
-              </a:lnSpc>
-              <a:spcBef>
-                <a:spcPts val="0"/>
-              </a:spcBef>
-              <a:spcAft>
-                <a:spcPts val="0"/>
-              </a:spcAft>
-              <a:buClrTx/>
-              <a:buSzTx/>
-              <a:buFontTx/>
-              <a:buNone/>
-              <a:tabLst/>
-              <a:defRPr/>
-            </a:pPr>
-            <a:endParaRPr lang="en-US" dirty="0"/>
+              <a:t>At the last steps, its optional and needs to be done in group. You can shift the bucket if required.</a:t>
+            </a:r>
           </a:p>
         </p:txBody>
       </p:sp>
@@ -881,111 +898,6 @@
             <a:fld id="{AAFEE2B6-961E-4B89-9AD2-30FAB594CE91}" type="slidenum">
               <a:rPr lang="en-US" smtClean="0"/>
               <a:t>5</a:t>
-            </a:fld>
-            <a:endParaRPr lang="en-US"/>
-          </a:p>
-        </p:txBody>
-      </p:sp>
-    </p:spTree>
-    <p:extLst>
-      <p:ext uri="{BB962C8B-B14F-4D97-AF65-F5344CB8AC3E}">
-        <p14:creationId xmlns:p14="http://schemas.microsoft.com/office/powerpoint/2010/main" val="1109777637"/>
-      </p:ext>
-    </p:extLst>
-  </p:cSld>
-  <p:clrMapOvr>
-    <a:masterClrMapping/>
-  </p:clrMapOvr>
-</p:notes>
-</file>
-
-<file path=ppt/notesSlides/notesSlide4.xml><?xml version="1.0" encoding="utf-8"?>
-<p:notes xmlns:a="http://schemas.openxmlformats.org/drawingml/2006/main" xmlns:r="http://schemas.openxmlformats.org/officeDocument/2006/relationships" xmlns:p="http://schemas.openxmlformats.org/presentationml/2006/main">
-  <p:cSld>
-    <p:spTree>
-      <p:nvGrpSpPr>
-        <p:cNvPr id="1" name=""/>
-        <p:cNvGrpSpPr/>
-        <p:nvPr/>
-      </p:nvGrpSpPr>
-      <p:grpSpPr>
-        <a:xfrm>
-          <a:off x="0" y="0"/>
-          <a:ext cx="0" cy="0"/>
-          <a:chOff x="0" y="0"/>
-          <a:chExt cx="0" cy="0"/>
-        </a:xfrm>
-      </p:grpSpPr>
-      <p:sp>
-        <p:nvSpPr>
-          <p:cNvPr id="2" name="Slide Image Placeholder 1"/>
-          <p:cNvSpPr>
-            <a:spLocks noGrp="1" noRot="1" noChangeAspect="1"/>
-          </p:cNvSpPr>
-          <p:nvPr>
-            <p:ph type="sldImg"/>
-          </p:nvPr>
-        </p:nvSpPr>
-        <p:spPr/>
-      </p:sp>
-      <p:sp>
-        <p:nvSpPr>
-          <p:cNvPr id="3" name="Notes Placeholder 2"/>
-          <p:cNvSpPr>
-            <a:spLocks noGrp="1"/>
-          </p:cNvSpPr>
-          <p:nvPr>
-            <p:ph type="body" idx="1"/>
-          </p:nvPr>
-        </p:nvSpPr>
-        <p:spPr/>
-        <p:txBody>
-          <a:bodyPr/>
-          <a:lstStyle/>
-          <a:p>
-            <a:r>
-              <a:rPr lang="en-US" dirty="0"/>
-              <a:t>On first point, if you have already some medium size stories, then use them. If not, select the one you think its medium size and use as reference to compare.</a:t>
-            </a:r>
-          </a:p>
-          <a:p>
-            <a:endParaRPr lang="en-US" dirty="0"/>
-          </a:p>
-          <a:p>
-            <a:r>
-              <a:rPr lang="en-US" dirty="0"/>
-              <a:t>I always prefer to use just 3 scaled , that can be 2, 4 and 8. That is because I think that thinking inn term of numbers like ( double, half, triple is easier than compare t shirt sizes. ) </a:t>
-            </a:r>
-          </a:p>
-          <a:p>
-            <a:endParaRPr lang="en-US" dirty="0"/>
-          </a:p>
-          <a:p>
-            <a:r>
-              <a:rPr lang="en-US" dirty="0"/>
-              <a:t>At the last steps, its optional and needs to be done in group. You can shift the bucket if required.</a:t>
-            </a:r>
-          </a:p>
-        </p:txBody>
-      </p:sp>
-      <p:sp>
-        <p:nvSpPr>
-          <p:cNvPr id="4" name="Slide Number Placeholder 3"/>
-          <p:cNvSpPr>
-            <a:spLocks noGrp="1"/>
-          </p:cNvSpPr>
-          <p:nvPr>
-            <p:ph type="sldNum" sz="quarter" idx="5"/>
-          </p:nvPr>
-        </p:nvSpPr>
-        <p:spPr/>
-        <p:txBody>
-          <a:bodyPr/>
-          <a:lstStyle/>
-          <a:p>
-            <a:fld id="{AAFEE2B6-961E-4B89-9AD2-30FAB594CE91}" type="slidenum">
-              <a:rPr lang="en-US" smtClean="0"/>
-              <a:t>6</a:t>
             </a:fld>
             <a:endParaRPr lang="en-US"/>
           </a:p>
@@ -1151,7 +1063,7 @@
           <a:p>
             <a:fld id="{2023E1CB-02FE-4B52-8CC6-FE219341CDC5}" type="datetimeFigureOut">
               <a:rPr lang="en-US" smtClean="0"/>
-              <a:t>9/27/19</a:t>
+              <a:t>10/3/19</a:t>
             </a:fld>
             <a:endParaRPr lang="en-US"/>
           </a:p>
@@ -1349,7 +1261,7 @@
           <a:p>
             <a:fld id="{2023E1CB-02FE-4B52-8CC6-FE219341CDC5}" type="datetimeFigureOut">
               <a:rPr lang="en-US" smtClean="0"/>
-              <a:t>9/27/19</a:t>
+              <a:t>10/3/19</a:t>
             </a:fld>
             <a:endParaRPr lang="en-US"/>
           </a:p>
@@ -1557,7 +1469,7 @@
           <a:p>
             <a:fld id="{2023E1CB-02FE-4B52-8CC6-FE219341CDC5}" type="datetimeFigureOut">
               <a:rPr lang="en-US" smtClean="0"/>
-              <a:t>9/27/19</a:t>
+              <a:t>10/3/19</a:t>
             </a:fld>
             <a:endParaRPr lang="en-US"/>
           </a:p>
@@ -1786,7 +1698,7 @@
           <a:p>
             <a:fld id="{2023E1CB-02FE-4B52-8CC6-FE219341CDC5}" type="datetimeFigureOut">
               <a:rPr lang="en-US" smtClean="0"/>
-              <a:t>9/27/19</a:t>
+              <a:t>10/3/19</a:t>
             </a:fld>
             <a:endParaRPr lang="en-US"/>
           </a:p>
@@ -2061,7 +1973,7 @@
           <a:p>
             <a:fld id="{2023E1CB-02FE-4B52-8CC6-FE219341CDC5}" type="datetimeFigureOut">
               <a:rPr lang="en-US" smtClean="0"/>
-              <a:t>9/27/19</a:t>
+              <a:t>10/3/19</a:t>
             </a:fld>
             <a:endParaRPr lang="en-US"/>
           </a:p>
@@ -2326,7 +2238,7 @@
           <a:p>
             <a:fld id="{2023E1CB-02FE-4B52-8CC6-FE219341CDC5}" type="datetimeFigureOut">
               <a:rPr lang="en-US" smtClean="0"/>
-              <a:t>9/27/19</a:t>
+              <a:t>10/3/19</a:t>
             </a:fld>
             <a:endParaRPr lang="en-US"/>
           </a:p>
@@ -2738,7 +2650,7 @@
           <a:p>
             <a:fld id="{C764DE79-268F-4C1A-8933-263129D2AF90}" type="datetimeFigureOut">
               <a:rPr lang="en-US" smtClean="0"/>
-              <a:t>9/27/19</a:t>
+              <a:t>10/3/19</a:t>
             </a:fld>
             <a:endParaRPr lang="en-US" dirty="0"/>
           </a:p>
@@ -2879,7 +2791,7 @@
           <a:p>
             <a:fld id="{2023E1CB-02FE-4B52-8CC6-FE219341CDC5}" type="datetimeFigureOut">
               <a:rPr lang="en-US" smtClean="0"/>
-              <a:t>9/27/19</a:t>
+              <a:t>10/3/19</a:t>
             </a:fld>
             <a:endParaRPr lang="en-US"/>
           </a:p>
@@ -2992,7 +2904,7 @@
           <a:p>
             <a:fld id="{2023E1CB-02FE-4B52-8CC6-FE219341CDC5}" type="datetimeFigureOut">
               <a:rPr lang="en-US" smtClean="0"/>
-              <a:t>9/27/19</a:t>
+              <a:t>10/3/19</a:t>
             </a:fld>
             <a:endParaRPr lang="en-US"/>
           </a:p>
@@ -3303,7 +3215,7 @@
           <a:p>
             <a:fld id="{2023E1CB-02FE-4B52-8CC6-FE219341CDC5}" type="datetimeFigureOut">
               <a:rPr lang="en-US" smtClean="0"/>
-              <a:t>9/27/19</a:t>
+              <a:t>10/3/19</a:t>
             </a:fld>
             <a:endParaRPr lang="en-US"/>
           </a:p>
@@ -3591,7 +3503,7 @@
           <a:p>
             <a:fld id="{C764DE79-268F-4C1A-8933-263129D2AF90}" type="datetimeFigureOut">
               <a:rPr lang="en-US" smtClean="0"/>
-              <a:t>9/27/19</a:t>
+              <a:t>10/3/19</a:t>
             </a:fld>
             <a:endParaRPr lang="en-US" dirty="0"/>
           </a:p>
@@ -3832,7 +3744,7 @@
           <a:p>
             <a:fld id="{C764DE79-268F-4C1A-8933-263129D2AF90}" type="datetimeFigureOut">
               <a:rPr lang="en-US" smtClean="0"/>
-              <a:t>9/27/19</a:t>
+              <a:t>10/3/19</a:t>
             </a:fld>
             <a:endParaRPr lang="en-US" dirty="0"/>
           </a:p>
@@ -4563,7 +4475,7 @@
           </a:ln>
           <a:extLst>
             <a:ext uri="{C572A759-6A51-4108-AA02-DFA0A04FC94B}">
-              <ma14:wrappingTextBoxFlag xmlns:ma14="http://schemas.microsoft.com/office/mac/drawingml/2011/main" xmlns="" val="1"/>
+              <ma14:wrappingTextBoxFlag xmlns="" xmlns:ma14="http://schemas.microsoft.com/office/mac/drawingml/2011/main" val="1"/>
             </a:ext>
           </a:extLst>
         </p:spPr>
@@ -4868,7 +4780,7 @@
           </a:ln>
           <a:extLst>
             <a:ext uri="{C572A759-6A51-4108-AA02-DFA0A04FC94B}">
-              <ma14:wrappingTextBoxFlag xmlns:ma14="http://schemas.microsoft.com/office/mac/drawingml/2011/main" xmlns="" val="1"/>
+              <ma14:wrappingTextBoxFlag xmlns="" xmlns:ma14="http://schemas.microsoft.com/office/mac/drawingml/2011/main" val="1"/>
             </a:ext>
           </a:extLst>
         </p:spPr>
@@ -4945,7 +4857,7 @@
           </a:ln>
           <a:extLst>
             <a:ext uri="{C572A759-6A51-4108-AA02-DFA0A04FC94B}">
-              <ma14:wrappingTextBoxFlag xmlns:ma14="http://schemas.microsoft.com/office/mac/drawingml/2011/main" xmlns="" val="1"/>
+              <ma14:wrappingTextBoxFlag xmlns="" xmlns:ma14="http://schemas.microsoft.com/office/mac/drawingml/2011/main" val="1"/>
             </a:ext>
           </a:extLst>
         </p:spPr>
@@ -5056,7 +4968,7 @@
           </a:ln>
           <a:extLst>
             <a:ext uri="{C572A759-6A51-4108-AA02-DFA0A04FC94B}">
-              <ma14:wrappingTextBoxFlag xmlns:ma14="http://schemas.microsoft.com/office/mac/drawingml/2011/main" xmlns="" val="1"/>
+              <ma14:wrappingTextBoxFlag xmlns="" xmlns:ma14="http://schemas.microsoft.com/office/mac/drawingml/2011/main" val="1"/>
             </a:ext>
           </a:extLst>
         </p:spPr>
@@ -5772,7 +5684,7 @@
           <a:effectLst/>
           <a:extLst>
             <a:ext uri="{C572A759-6A51-4108-AA02-DFA0A04FC94B}">
-              <ma14:wrappingTextBoxFlag xmlns:ma14="http://schemas.microsoft.com/office/mac/drawingml/2011/main" xmlns="" val="1"/>
+              <ma14:wrappingTextBoxFlag xmlns="" xmlns:ma14="http://schemas.microsoft.com/office/mac/drawingml/2011/main" val="1"/>
             </a:ext>
           </a:extLst>
         </p:spPr>
@@ -5831,7 +5743,7 @@
           <a:effectLst/>
           <a:extLst>
             <a:ext uri="{C572A759-6A51-4108-AA02-DFA0A04FC94B}">
-              <ma14:wrappingTextBoxFlag xmlns:ma14="http://schemas.microsoft.com/office/mac/drawingml/2011/main" xmlns="" val="1"/>
+              <ma14:wrappingTextBoxFlag xmlns="" xmlns:ma14="http://schemas.microsoft.com/office/mac/drawingml/2011/main" val="1"/>
             </a:ext>
           </a:extLst>
         </p:spPr>
@@ -5921,7 +5833,7 @@
           <a:effectLst/>
           <a:extLst>
             <a:ext uri="{C572A759-6A51-4108-AA02-DFA0A04FC94B}">
-              <ma14:wrappingTextBoxFlag xmlns:ma14="http://schemas.microsoft.com/office/mac/drawingml/2011/main" xmlns="" val="1"/>
+              <ma14:wrappingTextBoxFlag xmlns="" xmlns:ma14="http://schemas.microsoft.com/office/mac/drawingml/2011/main" val="1"/>
             </a:ext>
           </a:extLst>
         </p:spPr>
@@ -6145,1291 +6057,9 @@
   <p:cSld>
     <p:bg>
       <p:bgPr>
-        <a:gradFill>
-          <a:gsLst>
-            <a:gs pos="0">
-              <a:schemeClr val="bg2">
-                <a:tint val="94000"/>
-                <a:satMod val="80000"/>
-                <a:lumMod val="106000"/>
-              </a:schemeClr>
-            </a:gs>
-            <a:gs pos="100000">
-              <a:schemeClr val="bg2">
-                <a:shade val="80000"/>
-              </a:schemeClr>
-            </a:gs>
-          </a:gsLst>
-          <a:path path="circle">
-            <a:fillToRect l="50000" t="50000" r="50000" b="50000"/>
-          </a:path>
-        </a:gradFill>
-        <a:effectLst/>
-      </p:bgPr>
-    </p:bg>
-    <p:spTree>
-      <p:nvGrpSpPr>
-        <p:cNvPr id="1" name=""/>
-        <p:cNvGrpSpPr/>
-        <p:nvPr/>
-      </p:nvGrpSpPr>
-      <p:grpSpPr>
-        <a:xfrm>
-          <a:off x="0" y="0"/>
-          <a:ext cx="0" cy="0"/>
-          <a:chOff x="0" y="0"/>
-          <a:chExt cx="0" cy="0"/>
-        </a:xfrm>
-      </p:grpSpPr>
-      <p:pic>
-        <p:nvPicPr>
-          <p:cNvPr id="18" name="Picture 17"/>
-          <p:cNvPicPr>
-            <a:picLocks noChangeAspect="1"/>
-          </p:cNvPicPr>
-          <p:nvPr/>
-        </p:nvPicPr>
-        <p:blipFill>
-          <a:blip r:embed="rId3">
-            <a:extLst>
-              <a:ext uri="{28A0092B-C50C-407E-A947-70E740481C1C}">
-                <a14:useLocalDpi xmlns:a14="http://schemas.microsoft.com/office/drawing/2010/main" val="0"/>
-              </a:ext>
-            </a:extLst>
-          </a:blip>
-          <a:stretch>
-            <a:fillRect/>
-          </a:stretch>
-        </p:blipFill>
-        <p:spPr>
-          <a:xfrm>
-            <a:off x="0" y="2890498"/>
-            <a:ext cx="12192000" cy="462709"/>
-          </a:xfrm>
-          <a:prstGeom prst="rect">
-            <a:avLst/>
-          </a:prstGeom>
-        </p:spPr>
-      </p:pic>
-      <p:pic>
-        <p:nvPicPr>
-          <p:cNvPr id="2" name="Picture 1"/>
-          <p:cNvPicPr>
-            <a:picLocks noChangeAspect="1"/>
-          </p:cNvPicPr>
-          <p:nvPr/>
-        </p:nvPicPr>
-        <p:blipFill rotWithShape="1">
-          <a:blip r:embed="rId4">
-            <a:extLst>
-              <a:ext uri="{BEBA8EAE-BF5A-486C-A8C5-ECC9F3942E4B}">
-                <a14:imgProps xmlns:a14="http://schemas.microsoft.com/office/drawing/2010/main">
-                  <a14:imgLayer r:embed="rId5">
-                    <a14:imgEffect>
-                      <a14:saturation sat="0"/>
-                    </a14:imgEffect>
-                    <a14:imgEffect>
-                      <a14:brightnessContrast bright="-70000"/>
-                    </a14:imgEffect>
-                  </a14:imgLayer>
-                </a14:imgProps>
-              </a:ext>
-              <a:ext uri="{28A0092B-C50C-407E-A947-70E740481C1C}">
-                <a14:useLocalDpi xmlns:a14="http://schemas.microsoft.com/office/drawing/2010/main" val="0"/>
-              </a:ext>
-            </a:extLst>
-          </a:blip>
-          <a:srcRect t="20541" b="26781"/>
-          <a:stretch/>
-        </p:blipFill>
-        <p:spPr>
-          <a:xfrm>
-            <a:off x="0" y="1"/>
-            <a:ext cx="12192000" cy="3820290"/>
-          </a:xfrm>
-          <a:prstGeom prst="rect">
-            <a:avLst/>
-          </a:prstGeom>
-        </p:spPr>
-      </p:pic>
-      <p:grpSp>
-        <p:nvGrpSpPr>
-          <p:cNvPr id="8" name="Group 7">
-            <a:extLst>
-              <a:ext uri="{FF2B5EF4-FFF2-40B4-BE49-F238E27FC236}">
-                <a16:creationId xmlns:a16="http://schemas.microsoft.com/office/drawing/2014/main" id="{514C0B54-F6A5-164C-858C-C3EFA1D40C28}"/>
-              </a:ext>
-            </a:extLst>
-          </p:cNvPr>
-          <p:cNvGrpSpPr/>
-          <p:nvPr/>
-        </p:nvGrpSpPr>
-        <p:grpSpPr>
-          <a:xfrm>
-            <a:off x="3556355" y="829543"/>
-            <a:ext cx="4045435" cy="3017296"/>
-            <a:chOff x="5014453" y="1286064"/>
-            <a:chExt cx="4045435" cy="3017296"/>
-          </a:xfrm>
-        </p:grpSpPr>
-        <p:grpSp>
-          <p:nvGrpSpPr>
-            <p:cNvPr id="9" name="Group 8">
-              <a:extLst>
-                <a:ext uri="{FF2B5EF4-FFF2-40B4-BE49-F238E27FC236}">
-                  <a16:creationId xmlns:a16="http://schemas.microsoft.com/office/drawing/2014/main" id="{21268216-6064-E64D-89B6-FB950CE911B7}"/>
-                </a:ext>
-              </a:extLst>
-            </p:cNvPr>
-            <p:cNvGrpSpPr/>
-            <p:nvPr/>
-          </p:nvGrpSpPr>
-          <p:grpSpPr>
-            <a:xfrm>
-              <a:off x="5014453" y="3428999"/>
-              <a:ext cx="4045435" cy="874361"/>
-              <a:chOff x="4168474" y="3874286"/>
-              <a:chExt cx="4045435" cy="874361"/>
-            </a:xfrm>
-          </p:grpSpPr>
-          <p:sp>
-            <p:nvSpPr>
-              <p:cNvPr id="12" name="TextBox 11">
-                <a:extLst>
-                  <a:ext uri="{FF2B5EF4-FFF2-40B4-BE49-F238E27FC236}">
-                    <a16:creationId xmlns:a16="http://schemas.microsoft.com/office/drawing/2014/main" id="{9F477BF3-1F29-A44A-B3B1-59913DE16E65}"/>
-                  </a:ext>
-                </a:extLst>
-              </p:cNvPr>
-              <p:cNvSpPr txBox="1"/>
-              <p:nvPr/>
-            </p:nvSpPr>
-            <p:spPr>
-              <a:xfrm>
-                <a:off x="4168474" y="3874286"/>
-                <a:ext cx="4045435" cy="523220"/>
-              </a:xfrm>
-              <a:prstGeom prst="rect">
-                <a:avLst/>
-              </a:prstGeom>
-              <a:noFill/>
-            </p:spPr>
-            <p:txBody>
-              <a:bodyPr wrap="square" rtlCol="0">
-                <a:spAutoFit/>
-              </a:bodyPr>
-              <a:lstStyle/>
-              <a:p>
-                <a:pPr algn="ctr"/>
-                <a:r>
-                  <a:rPr lang="en-US" sz="2800" dirty="0">
-                    <a:solidFill>
-                      <a:srgbClr val="03A1A4"/>
-                    </a:solidFill>
-                    <a:latin typeface="Century Gothic" panose="020B0502020202020204" pitchFamily="34" charset="0"/>
-                  </a:rPr>
-                  <a:t>MESSAGE FROM</a:t>
-                </a:r>
-              </a:p>
-            </p:txBody>
-          </p:sp>
-          <p:sp>
-            <p:nvSpPr>
-              <p:cNvPr id="13" name="TextBox 12">
-                <a:extLst>
-                  <a:ext uri="{FF2B5EF4-FFF2-40B4-BE49-F238E27FC236}">
-                    <a16:creationId xmlns:a16="http://schemas.microsoft.com/office/drawing/2014/main" id="{12985D73-DFE3-4A48-B145-B7B0DA354E8F}"/>
-                  </a:ext>
-                </a:extLst>
-              </p:cNvPr>
-              <p:cNvSpPr txBox="1"/>
-              <p:nvPr/>
-            </p:nvSpPr>
-            <p:spPr>
-              <a:xfrm>
-                <a:off x="4868805" y="4379315"/>
-                <a:ext cx="2644771" cy="369332"/>
-              </a:xfrm>
-              <a:prstGeom prst="rect">
-                <a:avLst/>
-              </a:prstGeom>
-              <a:noFill/>
-            </p:spPr>
-            <p:txBody>
-              <a:bodyPr wrap="square" rtlCol="0">
-                <a:spAutoFit/>
-              </a:bodyPr>
-              <a:lstStyle/>
-              <a:p>
-                <a:pPr algn="ctr"/>
-                <a:r>
-                  <a:rPr lang="en-US" dirty="0">
-                    <a:solidFill>
-                      <a:schemeClr val="bg1">
-                        <a:lumMod val="65000"/>
-                      </a:schemeClr>
-                    </a:solidFill>
-                    <a:latin typeface="Century Gothic" panose="020B0502020202020204" pitchFamily="34" charset="0"/>
-                  </a:rPr>
-                  <a:t>LEO MATTOS</a:t>
-                </a:r>
-              </a:p>
-            </p:txBody>
-          </p:sp>
-        </p:grpSp>
-        <p:pic>
-          <p:nvPicPr>
-            <p:cNvPr id="10" name="Picture 9" descr="A person smiling for the camera&#10;&#10;Description automatically generated">
-              <a:extLst>
-                <a:ext uri="{FF2B5EF4-FFF2-40B4-BE49-F238E27FC236}">
-                  <a16:creationId xmlns:a16="http://schemas.microsoft.com/office/drawing/2014/main" id="{C8F76D40-E57C-D941-AA66-E0C3B94EB83F}"/>
-                </a:ext>
-              </a:extLst>
-            </p:cNvPr>
-            <p:cNvPicPr>
-              <a:picLocks noChangeAspect="1"/>
-            </p:cNvPicPr>
-            <p:nvPr/>
-          </p:nvPicPr>
-          <p:blipFill>
-            <a:blip r:embed="rId6">
-              <a:extLst>
-                <a:ext uri="{28A0092B-C50C-407E-A947-70E740481C1C}">
-                  <a14:useLocalDpi xmlns:a14="http://schemas.microsoft.com/office/drawing/2010/main" val="0"/>
-                </a:ext>
-              </a:extLst>
-            </a:blip>
-            <a:stretch>
-              <a:fillRect/>
-            </a:stretch>
-          </p:blipFill>
-          <p:spPr>
-            <a:xfrm>
-              <a:off x="6217809" y="1286064"/>
-              <a:ext cx="1494066" cy="1992088"/>
-            </a:xfrm>
-            <a:prstGeom prst="rect">
-              <a:avLst/>
-            </a:prstGeom>
-          </p:spPr>
-        </p:pic>
-      </p:grpSp>
-      <p:grpSp>
-        <p:nvGrpSpPr>
-          <p:cNvPr id="14" name="Group 13">
-            <a:extLst>
-              <a:ext uri="{FF2B5EF4-FFF2-40B4-BE49-F238E27FC236}">
-                <a16:creationId xmlns:a16="http://schemas.microsoft.com/office/drawing/2014/main" id="{5D6F2725-801C-7147-A9D3-F2DE141ECB23}"/>
-              </a:ext>
-            </a:extLst>
-          </p:cNvPr>
-          <p:cNvGrpSpPr/>
-          <p:nvPr/>
-        </p:nvGrpSpPr>
-        <p:grpSpPr>
-          <a:xfrm>
-            <a:off x="2190945" y="3893949"/>
-            <a:ext cx="7208412" cy="2049646"/>
-            <a:chOff x="3649043" y="4350470"/>
-            <a:chExt cx="7208412" cy="2049646"/>
-          </a:xfrm>
-        </p:grpSpPr>
-        <p:sp>
-          <p:nvSpPr>
-            <p:cNvPr id="16" name="Rectangle 15">
-              <a:extLst>
-                <a:ext uri="{FF2B5EF4-FFF2-40B4-BE49-F238E27FC236}">
-                  <a16:creationId xmlns:a16="http://schemas.microsoft.com/office/drawing/2014/main" id="{7B4504F0-5125-3B45-8E2A-42BA45A6D71B}"/>
-                </a:ext>
-              </a:extLst>
-            </p:cNvPr>
-            <p:cNvSpPr/>
-            <p:nvPr/>
-          </p:nvSpPr>
-          <p:spPr>
-            <a:xfrm>
-              <a:off x="3649043" y="5459780"/>
-              <a:ext cx="1824538" cy="369332"/>
-            </a:xfrm>
-            <a:prstGeom prst="rect">
-              <a:avLst/>
-            </a:prstGeom>
-          </p:spPr>
-          <p:txBody>
-            <a:bodyPr wrap="none">
-              <a:spAutoFit/>
-            </a:bodyPr>
-            <a:lstStyle/>
-            <a:p>
-              <a:pPr algn="ctr"/>
-              <a:r>
-                <a:rPr lang="en-US" spc="-150" dirty="0">
-                  <a:solidFill>
-                    <a:schemeClr val="accent2">
-                      <a:lumMod val="75000"/>
-                    </a:schemeClr>
-                  </a:solidFill>
-                  <a:latin typeface="Century Gothic" panose="020B0502020202020204" pitchFamily="34" charset="0"/>
-                  <a:cs typeface="Arial" panose="020B0604020202020204" pitchFamily="34" charset="0"/>
-                </a:rPr>
-                <a:t>Technical Coach</a:t>
-              </a:r>
-            </a:p>
-          </p:txBody>
-        </p:sp>
-        <p:sp>
-          <p:nvSpPr>
-            <p:cNvPr id="17" name="Rectangle 16">
-              <a:extLst>
-                <a:ext uri="{FF2B5EF4-FFF2-40B4-BE49-F238E27FC236}">
-                  <a16:creationId xmlns:a16="http://schemas.microsoft.com/office/drawing/2014/main" id="{9D1B61A7-0B4E-0D4D-9791-BDC8435C1177}"/>
-                </a:ext>
-              </a:extLst>
-            </p:cNvPr>
-            <p:cNvSpPr/>
-            <p:nvPr/>
-          </p:nvSpPr>
-          <p:spPr>
-            <a:xfrm>
-              <a:off x="5947285" y="5471011"/>
-              <a:ext cx="1186543" cy="369332"/>
-            </a:xfrm>
-            <a:prstGeom prst="rect">
-              <a:avLst/>
-            </a:prstGeom>
-          </p:spPr>
-          <p:txBody>
-            <a:bodyPr wrap="none">
-              <a:spAutoFit/>
-            </a:bodyPr>
-            <a:lstStyle/>
-            <a:p>
-              <a:pPr algn="ctr"/>
-              <a:r>
-                <a:rPr lang="en-US" spc="-150" dirty="0">
-                  <a:solidFill>
-                    <a:schemeClr val="accent2">
-                      <a:lumMod val="75000"/>
-                    </a:schemeClr>
-                  </a:solidFill>
-                  <a:latin typeface="Century Gothic" panose="020B0502020202020204" pitchFamily="34" charset="0"/>
-                  <a:cs typeface="Arial" panose="020B0604020202020204" pitchFamily="34" charset="0"/>
-                </a:rPr>
-                <a:t>Developer</a:t>
-              </a:r>
-            </a:p>
-          </p:txBody>
-        </p:sp>
-        <p:sp>
-          <p:nvSpPr>
-            <p:cNvPr id="19" name="Rectangle 18">
-              <a:extLst>
-                <a:ext uri="{FF2B5EF4-FFF2-40B4-BE49-F238E27FC236}">
-                  <a16:creationId xmlns:a16="http://schemas.microsoft.com/office/drawing/2014/main" id="{DF1B9F4C-AFCC-C241-B5E6-8AD6A1D36478}"/>
-                </a:ext>
-              </a:extLst>
-            </p:cNvPr>
-            <p:cNvSpPr/>
-            <p:nvPr/>
-          </p:nvSpPr>
-          <p:spPr>
-            <a:xfrm>
-              <a:off x="7489228" y="5471011"/>
-              <a:ext cx="1548822" cy="369332"/>
-            </a:xfrm>
-            <a:prstGeom prst="rect">
-              <a:avLst/>
-            </a:prstGeom>
-          </p:spPr>
-          <p:txBody>
-            <a:bodyPr wrap="none">
-              <a:spAutoFit/>
-            </a:bodyPr>
-            <a:lstStyle/>
-            <a:p>
-              <a:pPr algn="ctr"/>
-              <a:r>
-                <a:rPr lang="en-US" spc="-150" dirty="0">
-                  <a:solidFill>
-                    <a:schemeClr val="accent2">
-                      <a:lumMod val="75000"/>
-                    </a:schemeClr>
-                  </a:solidFill>
-                  <a:latin typeface="Century Gothic" panose="020B0502020202020204" pitchFamily="34" charset="0"/>
-                  <a:cs typeface="Arial" panose="020B0604020202020204" pitchFamily="34" charset="0"/>
-                </a:rPr>
-                <a:t>Soccer coach</a:t>
-              </a:r>
-            </a:p>
-          </p:txBody>
-        </p:sp>
-        <p:sp>
-          <p:nvSpPr>
-            <p:cNvPr id="20" name="Rectangle 19">
-              <a:extLst>
-                <a:ext uri="{FF2B5EF4-FFF2-40B4-BE49-F238E27FC236}">
-                  <a16:creationId xmlns:a16="http://schemas.microsoft.com/office/drawing/2014/main" id="{4373BC70-E913-4041-8D5C-14F9F96E844B}"/>
-                </a:ext>
-              </a:extLst>
-            </p:cNvPr>
-            <p:cNvSpPr/>
-            <p:nvPr/>
-          </p:nvSpPr>
-          <p:spPr>
-            <a:xfrm>
-              <a:off x="9443286" y="5471010"/>
-              <a:ext cx="1250663" cy="369332"/>
-            </a:xfrm>
-            <a:prstGeom prst="rect">
-              <a:avLst/>
-            </a:prstGeom>
-          </p:spPr>
-          <p:txBody>
-            <a:bodyPr wrap="none">
-              <a:spAutoFit/>
-            </a:bodyPr>
-            <a:lstStyle/>
-            <a:p>
-              <a:pPr algn="ctr"/>
-              <a:r>
-                <a:rPr lang="en-US" spc="-150" dirty="0">
-                  <a:solidFill>
-                    <a:schemeClr val="accent2">
-                      <a:lumMod val="75000"/>
-                    </a:schemeClr>
-                  </a:solidFill>
-                  <a:latin typeface="Century Gothic" panose="020B0502020202020204" pitchFamily="34" charset="0"/>
-                  <a:cs typeface="Arial" panose="020B0604020202020204" pitchFamily="34" charset="0"/>
-                </a:rPr>
-                <a:t>Adventurer</a:t>
-              </a:r>
-            </a:p>
-          </p:txBody>
-        </p:sp>
-        <p:sp>
-          <p:nvSpPr>
-            <p:cNvPr id="21" name="Rectangle 20">
-              <a:extLst>
-                <a:ext uri="{FF2B5EF4-FFF2-40B4-BE49-F238E27FC236}">
-                  <a16:creationId xmlns:a16="http://schemas.microsoft.com/office/drawing/2014/main" id="{5D634B13-9D47-0A42-92DA-3ECE006629BE}"/>
-                </a:ext>
-              </a:extLst>
-            </p:cNvPr>
-            <p:cNvSpPr/>
-            <p:nvPr/>
-          </p:nvSpPr>
-          <p:spPr>
-            <a:xfrm>
-              <a:off x="3725988" y="5927220"/>
-              <a:ext cx="1670650" cy="461665"/>
-            </a:xfrm>
-            <a:prstGeom prst="rect">
-              <a:avLst/>
-            </a:prstGeom>
-          </p:spPr>
-          <p:txBody>
-            <a:bodyPr wrap="none">
-              <a:spAutoFit/>
-            </a:bodyPr>
-            <a:lstStyle/>
-            <a:p>
-              <a:pPr algn="ctr"/>
-              <a:r>
-                <a:rPr lang="en-US" sz="1200" dirty="0">
-                  <a:solidFill>
-                    <a:schemeClr val="bg1"/>
-                  </a:solidFill>
-                  <a:latin typeface="Century Gothic" panose="020B0502020202020204" pitchFamily="34" charset="0"/>
-                  <a:cs typeface="Arial" panose="020B0604020202020204" pitchFamily="34" charset="0"/>
-                </a:rPr>
-                <a:t>IT Services </a:t>
-              </a:r>
-            </a:p>
-            <a:p>
-              <a:pPr algn="ctr"/>
-              <a:r>
-                <a:rPr lang="en-US" sz="1200" dirty="0">
-                  <a:solidFill>
-                    <a:schemeClr val="bg1"/>
-                  </a:solidFill>
-                  <a:latin typeface="Century Gothic" panose="020B0502020202020204" pitchFamily="34" charset="0"/>
-                  <a:cs typeface="Arial" panose="020B0604020202020204" pitchFamily="34" charset="0"/>
-                </a:rPr>
-                <a:t>Principal Consultant</a:t>
-              </a:r>
-            </a:p>
-          </p:txBody>
-        </p:sp>
-        <p:sp>
-          <p:nvSpPr>
-            <p:cNvPr id="22" name="Rectangle 21">
-              <a:extLst>
-                <a:ext uri="{FF2B5EF4-FFF2-40B4-BE49-F238E27FC236}">
-                  <a16:creationId xmlns:a16="http://schemas.microsoft.com/office/drawing/2014/main" id="{033EA28E-DFDC-824C-8CF7-B44EC29A6C28}"/>
-                </a:ext>
-              </a:extLst>
-            </p:cNvPr>
-            <p:cNvSpPr/>
-            <p:nvPr/>
-          </p:nvSpPr>
-          <p:spPr>
-            <a:xfrm>
-              <a:off x="5934465" y="5938451"/>
-              <a:ext cx="1212190" cy="461665"/>
-            </a:xfrm>
-            <a:prstGeom prst="rect">
-              <a:avLst/>
-            </a:prstGeom>
-          </p:spPr>
-          <p:txBody>
-            <a:bodyPr wrap="none">
-              <a:spAutoFit/>
-            </a:bodyPr>
-            <a:lstStyle/>
-            <a:p>
-              <a:pPr algn="ctr"/>
-              <a:r>
-                <a:rPr lang="en-US" sz="1200" dirty="0">
-                  <a:solidFill>
-                    <a:schemeClr val="bg1"/>
-                  </a:solidFill>
-                  <a:latin typeface="Century Gothic" panose="020B0502020202020204" pitchFamily="34" charset="0"/>
-                  <a:cs typeface="Arial" panose="020B0604020202020204" pitchFamily="34" charset="0"/>
-                </a:rPr>
-                <a:t>20+ years </a:t>
-              </a:r>
-            </a:p>
-            <a:p>
-              <a:pPr algn="ctr"/>
-              <a:r>
-                <a:rPr lang="en-US" sz="1200" dirty="0">
-                  <a:solidFill>
-                    <a:schemeClr val="bg1"/>
-                  </a:solidFill>
-                  <a:latin typeface="Century Gothic" panose="020B0502020202020204" pitchFamily="34" charset="0"/>
-                  <a:cs typeface="Arial" panose="020B0604020202020204" pitchFamily="34" charset="0"/>
-                </a:rPr>
-                <a:t>In the industry</a:t>
-              </a:r>
-            </a:p>
-          </p:txBody>
-        </p:sp>
-        <p:sp>
-          <p:nvSpPr>
-            <p:cNvPr id="23" name="Rectangle 22">
-              <a:extLst>
-                <a:ext uri="{FF2B5EF4-FFF2-40B4-BE49-F238E27FC236}">
-                  <a16:creationId xmlns:a16="http://schemas.microsoft.com/office/drawing/2014/main" id="{C465A33C-7EF2-4B4F-AA90-BB17BE2E3E97}"/>
-                </a:ext>
-              </a:extLst>
-            </p:cNvPr>
-            <p:cNvSpPr/>
-            <p:nvPr/>
-          </p:nvSpPr>
-          <p:spPr>
-            <a:xfrm>
-              <a:off x="7564569" y="5938451"/>
-              <a:ext cx="1398139" cy="461665"/>
-            </a:xfrm>
-            <a:prstGeom prst="rect">
-              <a:avLst/>
-            </a:prstGeom>
-          </p:spPr>
-          <p:txBody>
-            <a:bodyPr wrap="none">
-              <a:spAutoFit/>
-            </a:bodyPr>
-            <a:lstStyle/>
-            <a:p>
-              <a:pPr algn="ctr"/>
-              <a:r>
-                <a:rPr lang="en-US" sz="1200" dirty="0">
-                  <a:solidFill>
-                    <a:schemeClr val="bg1"/>
-                  </a:solidFill>
-                  <a:latin typeface="Century Gothic" panose="020B0502020202020204" pitchFamily="34" charset="0"/>
-                  <a:cs typeface="Arial" panose="020B0604020202020204" pitchFamily="34" charset="0"/>
-                </a:rPr>
-                <a:t>Licensed for kids</a:t>
-              </a:r>
-            </a:p>
-            <a:p>
-              <a:pPr algn="ctr"/>
-              <a:r>
-                <a:rPr lang="en-US" sz="1200" dirty="0">
-                  <a:solidFill>
-                    <a:schemeClr val="bg1"/>
-                  </a:solidFill>
-                  <a:latin typeface="Century Gothic" panose="020B0502020202020204" pitchFamily="34" charset="0"/>
-                  <a:cs typeface="Arial" panose="020B0604020202020204" pitchFamily="34" charset="0"/>
-                </a:rPr>
-                <a:t>U10 - U16</a:t>
-              </a:r>
-            </a:p>
-          </p:txBody>
-        </p:sp>
-        <p:sp>
-          <p:nvSpPr>
-            <p:cNvPr id="24" name="Rectangle 23">
-              <a:extLst>
-                <a:ext uri="{FF2B5EF4-FFF2-40B4-BE49-F238E27FC236}">
-                  <a16:creationId xmlns:a16="http://schemas.microsoft.com/office/drawing/2014/main" id="{163BFC40-0A55-484A-A013-C2ADF34B2389}"/>
-                </a:ext>
-              </a:extLst>
-            </p:cNvPr>
-            <p:cNvSpPr/>
-            <p:nvPr/>
-          </p:nvSpPr>
-          <p:spPr>
-            <a:xfrm>
-              <a:off x="9425653" y="5885336"/>
-              <a:ext cx="1431802" cy="461665"/>
-            </a:xfrm>
-            <a:prstGeom prst="rect">
-              <a:avLst/>
-            </a:prstGeom>
-          </p:spPr>
-          <p:txBody>
-            <a:bodyPr wrap="none">
-              <a:spAutoFit/>
-            </a:bodyPr>
-            <a:lstStyle/>
-            <a:p>
-              <a:pPr algn="ctr"/>
-              <a:r>
-                <a:rPr lang="en-US" sz="1200" dirty="0">
-                  <a:solidFill>
-                    <a:schemeClr val="bg1"/>
-                  </a:solidFill>
-                  <a:latin typeface="Century Gothic" panose="020B0502020202020204" pitchFamily="34" charset="0"/>
-                  <a:cs typeface="Arial" panose="020B0604020202020204" pitchFamily="34" charset="0"/>
-                </a:rPr>
-                <a:t>Meyers Briggs </a:t>
-              </a:r>
-            </a:p>
-            <a:p>
-              <a:pPr algn="ctr"/>
-              <a:r>
-                <a:rPr lang="en-US" sz="1200" dirty="0">
-                  <a:solidFill>
-                    <a:schemeClr val="bg1"/>
-                  </a:solidFill>
-                  <a:latin typeface="Century Gothic" panose="020B0502020202020204" pitchFamily="34" charset="0"/>
-                  <a:cs typeface="Arial" panose="020B0604020202020204" pitchFamily="34" charset="0"/>
-                </a:rPr>
-                <a:t>abbreviated test</a:t>
-              </a:r>
-            </a:p>
-          </p:txBody>
-        </p:sp>
-        <p:pic>
-          <p:nvPicPr>
-            <p:cNvPr id="25" name="Picture 24">
-              <a:extLst>
-                <a:ext uri="{FF2B5EF4-FFF2-40B4-BE49-F238E27FC236}">
-                  <a16:creationId xmlns:a16="http://schemas.microsoft.com/office/drawing/2014/main" id="{5AC49C60-A275-1540-8894-74D3A2D1C10D}"/>
-                </a:ext>
-              </a:extLst>
-            </p:cNvPr>
-            <p:cNvPicPr>
-              <a:picLocks noChangeAspect="1"/>
-            </p:cNvPicPr>
-            <p:nvPr/>
-          </p:nvPicPr>
-          <p:blipFill>
-            <a:blip r:embed="rId7">
-              <a:extLst>
-                <a:ext uri="{28A0092B-C50C-407E-A947-70E740481C1C}">
-                  <a14:useLocalDpi xmlns:a14="http://schemas.microsoft.com/office/drawing/2010/main" val="0"/>
-                </a:ext>
-              </a:extLst>
-            </a:blip>
-            <a:stretch>
-              <a:fillRect/>
-            </a:stretch>
-          </p:blipFill>
-          <p:spPr>
-            <a:xfrm>
-              <a:off x="4089395" y="4756374"/>
-              <a:ext cx="1046068" cy="560638"/>
-            </a:xfrm>
-            <a:prstGeom prst="rect">
-              <a:avLst/>
-            </a:prstGeom>
-          </p:spPr>
-        </p:pic>
-        <p:pic>
-          <p:nvPicPr>
-            <p:cNvPr id="26" name="Picture 25">
-              <a:extLst>
-                <a:ext uri="{FF2B5EF4-FFF2-40B4-BE49-F238E27FC236}">
-                  <a16:creationId xmlns:a16="http://schemas.microsoft.com/office/drawing/2014/main" id="{E84908C4-FEC0-D840-A396-7EACA9AA2479}"/>
-                </a:ext>
-              </a:extLst>
-            </p:cNvPr>
-            <p:cNvPicPr>
-              <a:picLocks noChangeAspect="1"/>
-            </p:cNvPicPr>
-            <p:nvPr/>
-          </p:nvPicPr>
-          <p:blipFill>
-            <a:blip r:embed="rId8">
-              <a:extLst>
-                <a:ext uri="{28A0092B-C50C-407E-A947-70E740481C1C}">
-                  <a14:useLocalDpi xmlns:a14="http://schemas.microsoft.com/office/drawing/2010/main" val="0"/>
-                </a:ext>
-              </a:extLst>
-            </a:blip>
-            <a:stretch>
-              <a:fillRect/>
-            </a:stretch>
-          </p:blipFill>
-          <p:spPr>
-            <a:xfrm>
-              <a:off x="6331624" y="4560254"/>
-              <a:ext cx="545233" cy="805996"/>
-            </a:xfrm>
-            <a:prstGeom prst="rect">
-              <a:avLst/>
-            </a:prstGeom>
-          </p:spPr>
-        </p:pic>
-        <p:pic>
-          <p:nvPicPr>
-            <p:cNvPr id="27" name="Picture 26">
-              <a:extLst>
-                <a:ext uri="{FF2B5EF4-FFF2-40B4-BE49-F238E27FC236}">
-                  <a16:creationId xmlns:a16="http://schemas.microsoft.com/office/drawing/2014/main" id="{AF18756A-657B-F64B-93A5-15CE86C2B187}"/>
-                </a:ext>
-              </a:extLst>
-            </p:cNvPr>
-            <p:cNvPicPr>
-              <a:picLocks noChangeAspect="1"/>
-            </p:cNvPicPr>
-            <p:nvPr/>
-          </p:nvPicPr>
-          <p:blipFill>
-            <a:blip r:embed="rId9">
-              <a:extLst>
-                <a:ext uri="{28A0092B-C50C-407E-A947-70E740481C1C}">
-                  <a14:useLocalDpi xmlns:a14="http://schemas.microsoft.com/office/drawing/2010/main" val="0"/>
-                </a:ext>
-              </a:extLst>
-            </a:blip>
-            <a:stretch>
-              <a:fillRect/>
-            </a:stretch>
-          </p:blipFill>
-          <p:spPr>
-            <a:xfrm>
-              <a:off x="7769364" y="4560254"/>
-              <a:ext cx="1222280" cy="805996"/>
-            </a:xfrm>
-            <a:prstGeom prst="rect">
-              <a:avLst/>
-            </a:prstGeom>
-          </p:spPr>
-        </p:pic>
-        <p:pic>
-          <p:nvPicPr>
-            <p:cNvPr id="28" name="Picture 27">
-              <a:extLst>
-                <a:ext uri="{FF2B5EF4-FFF2-40B4-BE49-F238E27FC236}">
-                  <a16:creationId xmlns:a16="http://schemas.microsoft.com/office/drawing/2014/main" id="{A27BA6A9-F610-2140-9313-FE79D8B360B0}"/>
-                </a:ext>
-              </a:extLst>
-            </p:cNvPr>
-            <p:cNvPicPr>
-              <a:picLocks noChangeAspect="1"/>
-            </p:cNvPicPr>
-            <p:nvPr/>
-          </p:nvPicPr>
-          <p:blipFill>
-            <a:blip r:embed="rId10">
-              <a:extLst>
-                <a:ext uri="{28A0092B-C50C-407E-A947-70E740481C1C}">
-                  <a14:useLocalDpi xmlns:a14="http://schemas.microsoft.com/office/drawing/2010/main" val="0"/>
-                </a:ext>
-              </a:extLst>
-            </a:blip>
-            <a:stretch>
-              <a:fillRect/>
-            </a:stretch>
-          </p:blipFill>
-          <p:spPr>
-            <a:xfrm>
-              <a:off x="9653414" y="4350470"/>
-              <a:ext cx="958166" cy="958166"/>
-            </a:xfrm>
-            <a:prstGeom prst="rect">
-              <a:avLst/>
-            </a:prstGeom>
-          </p:spPr>
-        </p:pic>
-      </p:grpSp>
-      <p:sp>
-        <p:nvSpPr>
-          <p:cNvPr id="29" name="Rectangle 28">
-            <a:extLst>
-              <a:ext uri="{FF2B5EF4-FFF2-40B4-BE49-F238E27FC236}">
-                <a16:creationId xmlns:a16="http://schemas.microsoft.com/office/drawing/2014/main" id="{313BE10F-7D3C-914C-848F-C734B368E629}"/>
-              </a:ext>
-            </a:extLst>
-          </p:cNvPr>
-          <p:cNvSpPr/>
-          <p:nvPr/>
-        </p:nvSpPr>
-        <p:spPr>
-          <a:xfrm>
-            <a:off x="2267890" y="5412121"/>
-            <a:ext cx="1670650" cy="461665"/>
-          </a:xfrm>
-          <a:prstGeom prst="rect">
-            <a:avLst/>
-          </a:prstGeom>
-        </p:spPr>
-        <p:txBody>
-          <a:bodyPr wrap="none">
-            <a:spAutoFit/>
-          </a:bodyPr>
-          <a:lstStyle/>
-          <a:p>
-            <a:pPr algn="ctr"/>
-            <a:r>
-              <a:rPr lang="en-US" sz="1200" dirty="0">
-                <a:latin typeface="Century Gothic" panose="020B0502020202020204" pitchFamily="34" charset="0"/>
-                <a:cs typeface="Arial" panose="020B0604020202020204" pitchFamily="34" charset="0"/>
-              </a:rPr>
-              <a:t>IT Services </a:t>
-            </a:r>
-          </a:p>
-          <a:p>
-            <a:pPr algn="ctr"/>
-            <a:r>
-              <a:rPr lang="en-US" sz="1200" dirty="0">
-                <a:latin typeface="Century Gothic" panose="020B0502020202020204" pitchFamily="34" charset="0"/>
-                <a:cs typeface="Arial" panose="020B0604020202020204" pitchFamily="34" charset="0"/>
-              </a:rPr>
-              <a:t>Principal Consultant</a:t>
-            </a:r>
-          </a:p>
-        </p:txBody>
-      </p:sp>
-      <p:sp>
-        <p:nvSpPr>
-          <p:cNvPr id="30" name="Rectangle 29">
-            <a:extLst>
-              <a:ext uri="{FF2B5EF4-FFF2-40B4-BE49-F238E27FC236}">
-                <a16:creationId xmlns:a16="http://schemas.microsoft.com/office/drawing/2014/main" id="{509AE0E8-E78B-6B41-A1E0-673B5A43ED89}"/>
-              </a:ext>
-            </a:extLst>
-          </p:cNvPr>
-          <p:cNvSpPr/>
-          <p:nvPr/>
-        </p:nvSpPr>
-        <p:spPr>
-          <a:xfrm>
-            <a:off x="4476367" y="5423352"/>
-            <a:ext cx="1212190" cy="461665"/>
-          </a:xfrm>
-          <a:prstGeom prst="rect">
-            <a:avLst/>
-          </a:prstGeom>
-        </p:spPr>
-        <p:txBody>
-          <a:bodyPr wrap="none">
-            <a:spAutoFit/>
-          </a:bodyPr>
-          <a:lstStyle/>
-          <a:p>
-            <a:pPr algn="ctr"/>
-            <a:r>
-              <a:rPr lang="en-US" sz="1200" dirty="0">
-                <a:latin typeface="Century Gothic" panose="020B0502020202020204" pitchFamily="34" charset="0"/>
-                <a:cs typeface="Arial" panose="020B0604020202020204" pitchFamily="34" charset="0"/>
-              </a:rPr>
-              <a:t>20+ years </a:t>
-            </a:r>
-          </a:p>
-          <a:p>
-            <a:pPr algn="ctr"/>
-            <a:r>
-              <a:rPr lang="en-US" sz="1200" dirty="0">
-                <a:latin typeface="Century Gothic" panose="020B0502020202020204" pitchFamily="34" charset="0"/>
-                <a:cs typeface="Arial" panose="020B0604020202020204" pitchFamily="34" charset="0"/>
-              </a:rPr>
-              <a:t>In the industry</a:t>
-            </a:r>
-          </a:p>
-        </p:txBody>
-      </p:sp>
-      <p:sp>
-        <p:nvSpPr>
-          <p:cNvPr id="31" name="Rectangle 30">
-            <a:extLst>
-              <a:ext uri="{FF2B5EF4-FFF2-40B4-BE49-F238E27FC236}">
-                <a16:creationId xmlns:a16="http://schemas.microsoft.com/office/drawing/2014/main" id="{DCFAEABA-ED78-C648-959F-4CF03C582B4E}"/>
-              </a:ext>
-            </a:extLst>
-          </p:cNvPr>
-          <p:cNvSpPr/>
-          <p:nvPr/>
-        </p:nvSpPr>
-        <p:spPr>
-          <a:xfrm>
-            <a:off x="6106471" y="5423352"/>
-            <a:ext cx="1398139" cy="461665"/>
-          </a:xfrm>
-          <a:prstGeom prst="rect">
-            <a:avLst/>
-          </a:prstGeom>
-        </p:spPr>
-        <p:txBody>
-          <a:bodyPr wrap="none">
-            <a:spAutoFit/>
-          </a:bodyPr>
-          <a:lstStyle/>
-          <a:p>
-            <a:pPr algn="ctr"/>
-            <a:r>
-              <a:rPr lang="en-US" sz="1200" dirty="0">
-                <a:latin typeface="Century Gothic" panose="020B0502020202020204" pitchFamily="34" charset="0"/>
-                <a:cs typeface="Arial" panose="020B0604020202020204" pitchFamily="34" charset="0"/>
-              </a:rPr>
-              <a:t>Licensed for kids</a:t>
-            </a:r>
-          </a:p>
-          <a:p>
-            <a:pPr algn="ctr"/>
-            <a:r>
-              <a:rPr lang="en-US" sz="1200" dirty="0">
-                <a:latin typeface="Century Gothic" panose="020B0502020202020204" pitchFamily="34" charset="0"/>
-                <a:cs typeface="Arial" panose="020B0604020202020204" pitchFamily="34" charset="0"/>
-              </a:rPr>
-              <a:t>U10 - U16</a:t>
-            </a:r>
-          </a:p>
-        </p:txBody>
-      </p:sp>
-      <p:sp>
-        <p:nvSpPr>
-          <p:cNvPr id="32" name="Rectangle 31">
-            <a:extLst>
-              <a:ext uri="{FF2B5EF4-FFF2-40B4-BE49-F238E27FC236}">
-                <a16:creationId xmlns:a16="http://schemas.microsoft.com/office/drawing/2014/main" id="{E4EA5C0C-B6E4-B64F-8109-3240BF357593}"/>
-              </a:ext>
-            </a:extLst>
-          </p:cNvPr>
-          <p:cNvSpPr/>
-          <p:nvPr/>
-        </p:nvSpPr>
-        <p:spPr>
-          <a:xfrm>
-            <a:off x="7967555" y="5370237"/>
-            <a:ext cx="1431802" cy="461665"/>
-          </a:xfrm>
-          <a:prstGeom prst="rect">
-            <a:avLst/>
-          </a:prstGeom>
-        </p:spPr>
-        <p:txBody>
-          <a:bodyPr wrap="none">
-            <a:spAutoFit/>
-          </a:bodyPr>
-          <a:lstStyle/>
-          <a:p>
-            <a:pPr algn="ctr"/>
-            <a:r>
-              <a:rPr lang="en-US" sz="1200" dirty="0">
-                <a:latin typeface="Century Gothic" panose="020B0502020202020204" pitchFamily="34" charset="0"/>
-                <a:cs typeface="Arial" panose="020B0604020202020204" pitchFamily="34" charset="0"/>
-              </a:rPr>
-              <a:t>Meyers Briggs </a:t>
-            </a:r>
-          </a:p>
-          <a:p>
-            <a:pPr algn="ctr"/>
-            <a:r>
-              <a:rPr lang="en-US" sz="1200" dirty="0">
-                <a:latin typeface="Century Gothic" panose="020B0502020202020204" pitchFamily="34" charset="0"/>
-                <a:cs typeface="Arial" panose="020B0604020202020204" pitchFamily="34" charset="0"/>
-              </a:rPr>
-              <a:t>abbreviated test</a:t>
-            </a:r>
-          </a:p>
-        </p:txBody>
-      </p:sp>
-    </p:spTree>
-    <p:extLst>
-      <p:ext uri="{BB962C8B-B14F-4D97-AF65-F5344CB8AC3E}">
-        <p14:creationId xmlns:p14="http://schemas.microsoft.com/office/powerpoint/2010/main" val="3919715205"/>
-      </p:ext>
-    </p:extLst>
-  </p:cSld>
-  <p:clrMapOvr>
-    <a:masterClrMapping/>
-  </p:clrMapOvr>
-  <mc:AlternateContent xmlns:mc="http://schemas.openxmlformats.org/markup-compatibility/2006" xmlns:p14="http://schemas.microsoft.com/office/powerpoint/2010/main">
-    <mc:Choice Requires="p14">
-      <p:transition spd="med" p14:dur="700">
-        <p:fade/>
-      </p:transition>
-    </mc:Choice>
-    <mc:Fallback xmlns="">
-      <p:transition spd="med">
-        <p:fade/>
-      </p:transition>
-    </mc:Fallback>
-  </mc:AlternateContent>
-  <p:timing>
-    <p:tnLst>
-      <p:par>
-        <p:cTn id="1" dur="indefinite" restart="never" nodeType="tmRoot">
-          <p:childTnLst>
-            <p:seq concurrent="1" nextAc="seek">
-              <p:cTn id="2" dur="indefinite" nodeType="mainSeq">
-                <p:childTnLst>
-                  <p:par>
-                    <p:cTn id="3" fill="hold">
-                      <p:stCondLst>
-                        <p:cond delay="indefinite"/>
-                        <p:cond evt="onBegin" delay="0">
-                          <p:tn val="2"/>
-                        </p:cond>
-                      </p:stCondLst>
-                      <p:childTnLst>
-                        <p:par>
-                          <p:cTn id="4" fill="hold">
-                            <p:stCondLst>
-                              <p:cond delay="0"/>
-                            </p:stCondLst>
-                            <p:childTnLst>
-                              <p:par>
-                                <p:cTn id="5" presetID="53" presetClass="entr" presetSubtype="16" fill="hold" nodeType="afterEffect">
-                                  <p:stCondLst>
-                                    <p:cond delay="0"/>
-                                  </p:stCondLst>
-                                  <p:childTnLst>
-                                    <p:set>
-                                      <p:cBhvr>
-                                        <p:cTn id="6" dur="1" fill="hold">
-                                          <p:stCondLst>
-                                            <p:cond delay="0"/>
-                                          </p:stCondLst>
-                                        </p:cTn>
-                                        <p:tgtEl>
-                                          <p:spTgt spid="8"/>
-                                        </p:tgtEl>
-                                        <p:attrNameLst>
-                                          <p:attrName>style.visibility</p:attrName>
-                                        </p:attrNameLst>
-                                      </p:cBhvr>
-                                      <p:to>
-                                        <p:strVal val="visible"/>
-                                      </p:to>
-                                    </p:set>
-                                    <p:anim calcmode="lin" valueType="num">
-                                      <p:cBhvr>
-                                        <p:cTn id="7" dur="500" fill="hold"/>
-                                        <p:tgtEl>
-                                          <p:spTgt spid="8"/>
-                                        </p:tgtEl>
-                                        <p:attrNameLst>
-                                          <p:attrName>ppt_w</p:attrName>
-                                        </p:attrNameLst>
-                                      </p:cBhvr>
-                                      <p:tavLst>
-                                        <p:tav tm="0">
-                                          <p:val>
-                                            <p:fltVal val="0"/>
-                                          </p:val>
-                                        </p:tav>
-                                        <p:tav tm="100000">
-                                          <p:val>
-                                            <p:strVal val="#ppt_w"/>
-                                          </p:val>
-                                        </p:tav>
-                                      </p:tavLst>
-                                    </p:anim>
-                                    <p:anim calcmode="lin" valueType="num">
-                                      <p:cBhvr>
-                                        <p:cTn id="8" dur="500" fill="hold"/>
-                                        <p:tgtEl>
-                                          <p:spTgt spid="8"/>
-                                        </p:tgtEl>
-                                        <p:attrNameLst>
-                                          <p:attrName>ppt_h</p:attrName>
-                                        </p:attrNameLst>
-                                      </p:cBhvr>
-                                      <p:tavLst>
-                                        <p:tav tm="0">
-                                          <p:val>
-                                            <p:fltVal val="0"/>
-                                          </p:val>
-                                        </p:tav>
-                                        <p:tav tm="100000">
-                                          <p:val>
-                                            <p:strVal val="#ppt_h"/>
-                                          </p:val>
-                                        </p:tav>
-                                      </p:tavLst>
-                                    </p:anim>
-                                    <p:animEffect transition="in" filter="fade">
-                                      <p:cBhvr>
-                                        <p:cTn id="9" dur="500"/>
-                                        <p:tgtEl>
-                                          <p:spTgt spid="8"/>
-                                        </p:tgtEl>
-                                      </p:cBhvr>
-                                    </p:animEffect>
-                                  </p:childTnLst>
-                                </p:cTn>
-                              </p:par>
-                            </p:childTnLst>
-                          </p:cTn>
-                        </p:par>
-                        <p:par>
-                          <p:cTn id="10" fill="hold">
-                            <p:stCondLst>
-                              <p:cond delay="500"/>
-                            </p:stCondLst>
-                            <p:childTnLst>
-                              <p:par>
-                                <p:cTn id="11" presetID="42" presetClass="entr" presetSubtype="0" fill="hold" nodeType="afterEffect">
-                                  <p:stCondLst>
-                                    <p:cond delay="0"/>
-                                  </p:stCondLst>
-                                  <p:childTnLst>
-                                    <p:set>
-                                      <p:cBhvr>
-                                        <p:cTn id="12" dur="1" fill="hold">
-                                          <p:stCondLst>
-                                            <p:cond delay="0"/>
-                                          </p:stCondLst>
-                                        </p:cTn>
-                                        <p:tgtEl>
-                                          <p:spTgt spid="14"/>
-                                        </p:tgtEl>
-                                        <p:attrNameLst>
-                                          <p:attrName>style.visibility</p:attrName>
-                                        </p:attrNameLst>
-                                      </p:cBhvr>
-                                      <p:to>
-                                        <p:strVal val="visible"/>
-                                      </p:to>
-                                    </p:set>
-                                    <p:animEffect transition="in" filter="fade">
-                                      <p:cBhvr>
-                                        <p:cTn id="13" dur="1000"/>
-                                        <p:tgtEl>
-                                          <p:spTgt spid="14"/>
-                                        </p:tgtEl>
-                                      </p:cBhvr>
-                                    </p:animEffect>
-                                    <p:anim calcmode="lin" valueType="num">
-                                      <p:cBhvr>
-                                        <p:cTn id="14" dur="1000" fill="hold"/>
-                                        <p:tgtEl>
-                                          <p:spTgt spid="14"/>
-                                        </p:tgtEl>
-                                        <p:attrNameLst>
-                                          <p:attrName>ppt_x</p:attrName>
-                                        </p:attrNameLst>
-                                      </p:cBhvr>
-                                      <p:tavLst>
-                                        <p:tav tm="0">
-                                          <p:val>
-                                            <p:strVal val="#ppt_x"/>
-                                          </p:val>
-                                        </p:tav>
-                                        <p:tav tm="100000">
-                                          <p:val>
-                                            <p:strVal val="#ppt_x"/>
-                                          </p:val>
-                                        </p:tav>
-                                      </p:tavLst>
-                                    </p:anim>
-                                    <p:anim calcmode="lin" valueType="num">
-                                      <p:cBhvr>
-                                        <p:cTn id="15" dur="1000" fill="hold"/>
-                                        <p:tgtEl>
-                                          <p:spTgt spid="14"/>
-                                        </p:tgtEl>
-                                        <p:attrNameLst>
-                                          <p:attrName>ppt_y</p:attrName>
-                                        </p:attrNameLst>
-                                      </p:cBhvr>
-                                      <p:tavLst>
-                                        <p:tav tm="0">
-                                          <p:val>
-                                            <p:strVal val="#ppt_y+.1"/>
-                                          </p:val>
-                                        </p:tav>
-                                        <p:tav tm="100000">
-                                          <p:val>
-                                            <p:strVal val="#ppt_y"/>
-                                          </p:val>
-                                        </p:tav>
-                                      </p:tavLst>
-                                    </p:anim>
-                                  </p:childTnLst>
-                                </p:cTn>
-                              </p:par>
-                            </p:childTnLst>
-                          </p:cTn>
-                        </p:par>
-                      </p:childTnLst>
-                    </p:cTn>
-                  </p:par>
-                </p:childTnLst>
-              </p:cTn>
-              <p:prevCondLst>
-                <p:cond evt="onPrev" delay="0">
-                  <p:tgtEl>
-                    <p:sldTgt/>
-                  </p:tgtEl>
-                </p:cond>
-              </p:prevCondLst>
-              <p:nextCondLst>
-                <p:cond evt="onNext" delay="0">
-                  <p:tgtEl>
-                    <p:sldTgt/>
-                  </p:tgtEl>
-                </p:cond>
-              </p:nextCondLst>
-            </p:seq>
-          </p:childTnLst>
-        </p:cTn>
-      </p:par>
-    </p:tnLst>
-  </p:timing>
-</p:sld>
-</file>
-
-<file path=ppt/slides/slide3.xml><?xml version="1.0" encoding="utf-8"?>
-<p:sld xmlns:a="http://schemas.openxmlformats.org/drawingml/2006/main" xmlns:r="http://schemas.openxmlformats.org/officeDocument/2006/relationships" xmlns:p="http://schemas.openxmlformats.org/presentationml/2006/main">
-  <p:cSld>
-    <p:bg>
-      <p:bgPr>
-        <a:gradFill>
-          <a:gsLst>
-            <a:gs pos="0">
-              <a:schemeClr val="bg2">
-                <a:tint val="94000"/>
-                <a:satMod val="80000"/>
-                <a:lumMod val="106000"/>
-              </a:schemeClr>
-            </a:gs>
-            <a:gs pos="100000">
-              <a:schemeClr val="bg2">
-                <a:shade val="80000"/>
-              </a:schemeClr>
-            </a:gs>
-          </a:gsLst>
-          <a:path path="circle">
-            <a:fillToRect l="50000" t="50000" r="50000" b="50000"/>
-          </a:path>
-        </a:gradFill>
+        <a:solidFill>
+          <a:schemeClr val="bg1"/>
+        </a:solidFill>
         <a:effectLst/>
       </p:bgPr>
     </p:bg>
@@ -7740,30 +6370,14 @@
 </p:sld>
 </file>
 
-<file path=ppt/slides/slide4.xml><?xml version="1.0" encoding="utf-8"?>
+<file path=ppt/slides/slide3.xml><?xml version="1.0" encoding="utf-8"?>
 <p:sld xmlns:a="http://schemas.openxmlformats.org/drawingml/2006/main" xmlns:r="http://schemas.openxmlformats.org/officeDocument/2006/relationships" xmlns:p="http://schemas.openxmlformats.org/presentationml/2006/main">
   <p:cSld>
     <p:bg>
       <p:bgPr>
-        <a:gradFill>
-          <a:gsLst>
-            <a:gs pos="0">
-              <a:schemeClr val="bg2">
-                <a:tint val="94000"/>
-                <a:satMod val="80000"/>
-                <a:lumMod val="106000"/>
-              </a:schemeClr>
-            </a:gs>
-            <a:gs pos="100000">
-              <a:schemeClr val="bg2">
-                <a:shade val="80000"/>
-              </a:schemeClr>
-            </a:gs>
-          </a:gsLst>
-          <a:path path="circle">
-            <a:fillToRect l="50000" t="50000" r="50000" b="50000"/>
-          </a:path>
-        </a:gradFill>
+        <a:solidFill>
+          <a:schemeClr val="bg1"/>
+        </a:solidFill>
         <a:effectLst/>
       </p:bgPr>
     </p:bg>
@@ -8145,30 +6759,14 @@
 </p:sld>
 </file>
 
-<file path=ppt/slides/slide5.xml><?xml version="1.0" encoding="utf-8"?>
+<file path=ppt/slides/slide4.xml><?xml version="1.0" encoding="utf-8"?>
 <p:sld xmlns:a="http://schemas.openxmlformats.org/drawingml/2006/main" xmlns:r="http://schemas.openxmlformats.org/officeDocument/2006/relationships" xmlns:p="http://schemas.openxmlformats.org/presentationml/2006/main">
   <p:cSld>
     <p:bg>
       <p:bgPr>
-        <a:gradFill>
-          <a:gsLst>
-            <a:gs pos="0">
-              <a:schemeClr val="bg2">
-                <a:tint val="94000"/>
-                <a:satMod val="80000"/>
-                <a:lumMod val="106000"/>
-              </a:schemeClr>
-            </a:gs>
-            <a:gs pos="100000">
-              <a:schemeClr val="bg2">
-                <a:shade val="80000"/>
-              </a:schemeClr>
-            </a:gs>
-          </a:gsLst>
-          <a:path path="circle">
-            <a:fillToRect l="50000" t="50000" r="50000" b="50000"/>
-          </a:path>
-        </a:gradFill>
+        <a:solidFill>
+          <a:schemeClr val="bg1"/>
+        </a:solidFill>
         <a:effectLst/>
       </p:bgPr>
     </p:bg>
@@ -8629,30 +7227,14 @@
 </p:sld>
 </file>
 
-<file path=ppt/slides/slide6.xml><?xml version="1.0" encoding="utf-8"?>
+<file path=ppt/slides/slide5.xml><?xml version="1.0" encoding="utf-8"?>
 <p:sld xmlns:a="http://schemas.openxmlformats.org/drawingml/2006/main" xmlns:r="http://schemas.openxmlformats.org/officeDocument/2006/relationships" xmlns:p="http://schemas.openxmlformats.org/presentationml/2006/main">
   <p:cSld>
     <p:bg>
       <p:bgPr>
-        <a:gradFill>
-          <a:gsLst>
-            <a:gs pos="0">
-              <a:schemeClr val="bg2">
-                <a:tint val="94000"/>
-                <a:satMod val="80000"/>
-                <a:lumMod val="106000"/>
-              </a:schemeClr>
-            </a:gs>
-            <a:gs pos="100000">
-              <a:schemeClr val="bg2">
-                <a:shade val="80000"/>
-              </a:schemeClr>
-            </a:gs>
-          </a:gsLst>
-          <a:path path="circle">
-            <a:fillToRect l="50000" t="50000" r="50000" b="50000"/>
-          </a:path>
-        </a:gradFill>
+        <a:solidFill>
+          <a:schemeClr val="bg1"/>
+        </a:solidFill>
         <a:effectLst/>
       </p:bgPr>
     </p:bg>
@@ -8929,30 +7511,14 @@
 </p:sld>
 </file>
 
-<file path=ppt/slides/slide7.xml><?xml version="1.0" encoding="utf-8"?>
+<file path=ppt/slides/slide6.xml><?xml version="1.0" encoding="utf-8"?>
 <p:sld xmlns:a="http://schemas.openxmlformats.org/drawingml/2006/main" xmlns:r="http://schemas.openxmlformats.org/officeDocument/2006/relationships" xmlns:p="http://schemas.openxmlformats.org/presentationml/2006/main">
   <p:cSld>
     <p:bg>
       <p:bgPr>
-        <a:gradFill>
-          <a:gsLst>
-            <a:gs pos="0">
-              <a:schemeClr val="bg2">
-                <a:tint val="94000"/>
-                <a:satMod val="80000"/>
-                <a:lumMod val="106000"/>
-              </a:schemeClr>
-            </a:gs>
-            <a:gs pos="100000">
-              <a:schemeClr val="bg2">
-                <a:shade val="80000"/>
-              </a:schemeClr>
-            </a:gs>
-          </a:gsLst>
-          <a:path path="circle">
-            <a:fillToRect l="50000" t="50000" r="50000" b="50000"/>
-          </a:path>
-        </a:gradFill>
+        <a:solidFill>
+          <a:schemeClr val="bg1"/>
+        </a:solidFill>
         <a:effectLst/>
       </p:bgPr>
     </p:bg>
@@ -9158,7 +7724,7 @@
           </a:ln>
           <a:extLst>
             <a:ext uri="{C572A759-6A51-4108-AA02-DFA0A04FC94B}">
-              <ma14:wrappingTextBoxFlag xmlns:ma14="http://schemas.microsoft.com/office/mac/drawingml/2011/main" xmlns="" val="1"/>
+              <ma14:wrappingTextBoxFlag xmlns="" xmlns:ma14="http://schemas.microsoft.com/office/mac/drawingml/2011/main" val="1"/>
             </a:ext>
           </a:extLst>
         </p:spPr>
@@ -9232,7 +7798,7 @@
           </a:ln>
           <a:extLst>
             <a:ext uri="{C572A759-6A51-4108-AA02-DFA0A04FC94B}">
-              <ma14:wrappingTextBoxFlag xmlns:ma14="http://schemas.microsoft.com/office/mac/drawingml/2011/main" xmlns="" val="1"/>
+              <ma14:wrappingTextBoxFlag xmlns="" xmlns:ma14="http://schemas.microsoft.com/office/mac/drawingml/2011/main" val="1"/>
             </a:ext>
           </a:extLst>
         </p:spPr>
